--- a/intrinsic image/third phase.pptx
+++ b/intrinsic image/third phase.pptx
@@ -115,6 +115,11 @@
       </a:defRPr>
     </a:lvl9pPr>
   </p:defaultTextStyle>
+  <p:extLst>
+    <p:ext uri="{EFAFB233-063F-42B5-8137-9DF3F51BA10A}">
+      <p15:sldGuideLst xmlns:p15="http://schemas.microsoft.com/office/powerpoint/2012/main"/>
+    </p:ext>
+  </p:extLst>
 </p:presentation>
 </file>
 
@@ -200,7 +205,7 @@
           <a:p>
             <a:fld id="{357E2EF0-14B5-4DB3-94C3-FA040D357C03}" type="datetimeFigureOut">
               <a:rPr lang="zh-CN" altLang="en-US" smtClean="0"/>
-              <a:t>2019/3/31</a:t>
+              <a:t>2019/11/12</a:t>
             </a:fld>
             <a:endParaRPr lang="zh-CN" altLang="en-US"/>
           </a:p>
@@ -793,7 +798,7 @@
           <a:p>
             <a:fld id="{095BB2F2-7B34-4C1F-91BA-FF4DB2C3E170}" type="datetimeFigureOut">
               <a:rPr lang="zh-CN" altLang="en-US" smtClean="0"/>
-              <a:t>2019/3/31</a:t>
+              <a:t>2019/11/12</a:t>
             </a:fld>
             <a:endParaRPr lang="zh-CN" altLang="en-US"/>
           </a:p>
@@ -991,7 +996,7 @@
           <a:p>
             <a:fld id="{095BB2F2-7B34-4C1F-91BA-FF4DB2C3E170}" type="datetimeFigureOut">
               <a:rPr lang="zh-CN" altLang="en-US" smtClean="0"/>
-              <a:t>2019/3/31</a:t>
+              <a:t>2019/11/12</a:t>
             </a:fld>
             <a:endParaRPr lang="zh-CN" altLang="en-US"/>
           </a:p>
@@ -1199,7 +1204,7 @@
           <a:p>
             <a:fld id="{095BB2F2-7B34-4C1F-91BA-FF4DB2C3E170}" type="datetimeFigureOut">
               <a:rPr lang="zh-CN" altLang="en-US" smtClean="0"/>
-              <a:t>2019/3/31</a:t>
+              <a:t>2019/11/12</a:t>
             </a:fld>
             <a:endParaRPr lang="zh-CN" altLang="en-US"/>
           </a:p>
@@ -1397,7 +1402,7 @@
           <a:p>
             <a:fld id="{095BB2F2-7B34-4C1F-91BA-FF4DB2C3E170}" type="datetimeFigureOut">
               <a:rPr lang="zh-CN" altLang="en-US" smtClean="0"/>
-              <a:t>2019/3/31</a:t>
+              <a:t>2019/11/12</a:t>
             </a:fld>
             <a:endParaRPr lang="zh-CN" altLang="en-US"/>
           </a:p>
@@ -1672,7 +1677,7 @@
           <a:p>
             <a:fld id="{095BB2F2-7B34-4C1F-91BA-FF4DB2C3E170}" type="datetimeFigureOut">
               <a:rPr lang="zh-CN" altLang="en-US" smtClean="0"/>
-              <a:t>2019/3/31</a:t>
+              <a:t>2019/11/12</a:t>
             </a:fld>
             <a:endParaRPr lang="zh-CN" altLang="en-US"/>
           </a:p>
@@ -1937,7 +1942,7 @@
           <a:p>
             <a:fld id="{095BB2F2-7B34-4C1F-91BA-FF4DB2C3E170}" type="datetimeFigureOut">
               <a:rPr lang="zh-CN" altLang="en-US" smtClean="0"/>
-              <a:t>2019/3/31</a:t>
+              <a:t>2019/11/12</a:t>
             </a:fld>
             <a:endParaRPr lang="zh-CN" altLang="en-US"/>
           </a:p>
@@ -2349,7 +2354,7 @@
           <a:p>
             <a:fld id="{095BB2F2-7B34-4C1F-91BA-FF4DB2C3E170}" type="datetimeFigureOut">
               <a:rPr lang="zh-CN" altLang="en-US" smtClean="0"/>
-              <a:t>2019/3/31</a:t>
+              <a:t>2019/11/12</a:t>
             </a:fld>
             <a:endParaRPr lang="zh-CN" altLang="en-US"/>
           </a:p>
@@ -2490,7 +2495,7 @@
           <a:p>
             <a:fld id="{095BB2F2-7B34-4C1F-91BA-FF4DB2C3E170}" type="datetimeFigureOut">
               <a:rPr lang="zh-CN" altLang="en-US" smtClean="0"/>
-              <a:t>2019/3/31</a:t>
+              <a:t>2019/11/12</a:t>
             </a:fld>
             <a:endParaRPr lang="zh-CN" altLang="en-US"/>
           </a:p>
@@ -2603,7 +2608,7 @@
           <a:p>
             <a:fld id="{095BB2F2-7B34-4C1F-91BA-FF4DB2C3E170}" type="datetimeFigureOut">
               <a:rPr lang="zh-CN" altLang="en-US" smtClean="0"/>
-              <a:t>2019/3/31</a:t>
+              <a:t>2019/11/12</a:t>
             </a:fld>
             <a:endParaRPr lang="zh-CN" altLang="en-US"/>
           </a:p>
@@ -2914,7 +2919,7 @@
           <a:p>
             <a:fld id="{095BB2F2-7B34-4C1F-91BA-FF4DB2C3E170}" type="datetimeFigureOut">
               <a:rPr lang="zh-CN" altLang="en-US" smtClean="0"/>
-              <a:t>2019/3/31</a:t>
+              <a:t>2019/11/12</a:t>
             </a:fld>
             <a:endParaRPr lang="zh-CN" altLang="en-US"/>
           </a:p>
@@ -3202,7 +3207,7 @@
           <a:p>
             <a:fld id="{095BB2F2-7B34-4C1F-91BA-FF4DB2C3E170}" type="datetimeFigureOut">
               <a:rPr lang="zh-CN" altLang="en-US" smtClean="0"/>
-              <a:t>2019/3/31</a:t>
+              <a:t>2019/11/12</a:t>
             </a:fld>
             <a:endParaRPr lang="zh-CN" altLang="en-US"/>
           </a:p>
@@ -3443,7 +3448,7 @@
           <a:p>
             <a:fld id="{095BB2F2-7B34-4C1F-91BA-FF4DB2C3E170}" type="datetimeFigureOut">
               <a:rPr lang="zh-CN" altLang="en-US" smtClean="0"/>
-              <a:t>2019/3/31</a:t>
+              <a:t>2019/11/12</a:t>
             </a:fld>
             <a:endParaRPr lang="zh-CN" altLang="en-US"/>
           </a:p>
@@ -3882,11 +3887,18 @@
           <a:lstStyle/>
           <a:p>
             <a:r>
+              <a:rPr lang="zh-CN" altLang="en-US">
+                <a:latin typeface="楷体" panose="02010609060101010101" pitchFamily="49" charset="-122"/>
+                <a:ea typeface="楷体" panose="02010609060101010101" pitchFamily="49" charset="-122"/>
+              </a:rPr>
+              <a:t>本征图像</a:t>
+            </a:r>
+            <a:r>
               <a:rPr lang="zh-CN" altLang="en-US" dirty="0">
                 <a:latin typeface="楷体" panose="02010609060101010101" pitchFamily="49" charset="-122"/>
                 <a:ea typeface="楷体" panose="02010609060101010101" pitchFamily="49" charset="-122"/>
               </a:rPr>
-              <a:t>本质图像论文汇报（三）</a:t>
+              <a:t>论文汇报（三）</a:t>
             </a:r>
             <a:endParaRPr lang="zh-CN" altLang="en-US" dirty="0"/>
           </a:p>
